--- a/Credit Card Fraud Project.pptx
+++ b/Credit Card Fraud Project.pptx
@@ -5,10 +5,10 @@
     <p:sldMasterId id="2147484673" r:id="rId1"/>
   </p:sldMasterIdLst>
   <p:notesMasterIdLst>
-    <p:notesMasterId r:id="rId19"/>
+    <p:notesMasterId r:id="rId20"/>
   </p:notesMasterIdLst>
   <p:handoutMasterIdLst>
-    <p:handoutMasterId r:id="rId20"/>
+    <p:handoutMasterId r:id="rId21"/>
   </p:handoutMasterIdLst>
   <p:sldIdLst>
     <p:sldId id="328" r:id="rId2"/>
@@ -25,9 +25,10 @@
     <p:sldId id="287" r:id="rId13"/>
     <p:sldId id="341" r:id="rId14"/>
     <p:sldId id="340" r:id="rId15"/>
-    <p:sldId id="259" r:id="rId16"/>
-    <p:sldId id="332" r:id="rId17"/>
-    <p:sldId id="331" r:id="rId18"/>
+    <p:sldId id="345" r:id="rId16"/>
+    <p:sldId id="259" r:id="rId17"/>
+    <p:sldId id="332" r:id="rId18"/>
+    <p:sldId id="331" r:id="rId19"/>
   </p:sldIdLst>
   <p:sldSz cx="12192000" cy="6858000"/>
   <p:notesSz cx="6858000" cy="9144000"/>
@@ -7684,7 +7685,7 @@
                 </a:solidFill>
                 <a:latin typeface="Trebuchet MS" panose="020B0703020202090204" pitchFamily="34" charset="0"/>
               </a:rPr>
-              <a:t>Exploratory Data Analysis</a:t>
+              <a:t>Feature Importance</a:t>
             </a:r>
           </a:p>
         </p:txBody>
@@ -11537,7 +11538,7 @@
                 </a:solidFill>
                 <a:latin typeface="Trebuchet MS" panose="020B0703020202090204" pitchFamily="34" charset="0"/>
               </a:rPr>
-              <a:t>Summary of Findings</a:t>
+              <a:t>Summary of Findings - EDA</a:t>
             </a:r>
             <a:br>
               <a:rPr lang="en-US" sz="4000" dirty="0">
@@ -11724,6 +11725,359 @@
 </file>
 
 <file path=ppt/slides/slide15.xml><?xml version="1.0" encoding="utf-8"?>
+<p:sld xmlns:a="http://schemas.openxmlformats.org/drawingml/2006/main" xmlns:r="http://schemas.openxmlformats.org/officeDocument/2006/relationships" xmlns:p="http://schemas.openxmlformats.org/presentationml/2006/main" showMasterSp="0">
+  <p:cSld>
+    <p:spTree>
+      <p:nvGrpSpPr>
+        <p:cNvPr id="1" name=""/>
+        <p:cNvGrpSpPr/>
+        <p:nvPr/>
+      </p:nvGrpSpPr>
+      <p:grpSpPr>
+        <a:xfrm>
+          <a:off x="0" y="0"/>
+          <a:ext cx="0" cy="0"/>
+          <a:chOff x="0" y="0"/>
+          <a:chExt cx="0" cy="0"/>
+        </a:xfrm>
+      </p:grpSpPr>
+      <p:sp>
+        <p:nvSpPr>
+          <p:cNvPr id="2" name="Title 1">
+            <a:extLst>
+              <a:ext uri="{FF2B5EF4-FFF2-40B4-BE49-F238E27FC236}">
+                <a16:creationId xmlns:a16="http://schemas.microsoft.com/office/drawing/2014/main" id="{2C292035-F90A-EE45-BDBA-4AB7DFB942B7}"/>
+              </a:ext>
+            </a:extLst>
+          </p:cNvPr>
+          <p:cNvSpPr>
+            <a:spLocks noGrp="1"/>
+          </p:cNvSpPr>
+          <p:nvPr>
+            <p:ph type="title"/>
+          </p:nvPr>
+        </p:nvSpPr>
+        <p:spPr>
+          <a:xfrm>
+            <a:off x="838200" y="270797"/>
+            <a:ext cx="10515600" cy="664464"/>
+          </a:xfrm>
+        </p:spPr>
+        <p:txBody>
+          <a:bodyPr>
+            <a:normAutofit fontScale="90000"/>
+          </a:bodyPr>
+          <a:lstStyle/>
+          <a:p>
+            <a:r>
+              <a:rPr lang="en-US" sz="4000" dirty="0">
+                <a:solidFill>
+                  <a:srgbClr val="00B0F0"/>
+                </a:solidFill>
+                <a:latin typeface="Trebuchet MS" panose="020B0703020202090204" pitchFamily="34" charset="0"/>
+              </a:rPr>
+              <a:t>Summary of Findings – Predictive Modeling</a:t>
+            </a:r>
+            <a:br>
+              <a:rPr lang="en-US" sz="4000" dirty="0">
+                <a:solidFill>
+                  <a:srgbClr val="00B0F0"/>
+                </a:solidFill>
+                <a:latin typeface="Trebuchet MS" panose="020B0703020202090204" pitchFamily="34" charset="0"/>
+              </a:rPr>
+            </a:br>
+            <a:endParaRPr lang="en-SA" sz="4000" dirty="0">
+              <a:solidFill>
+                <a:srgbClr val="00B0F0"/>
+              </a:solidFill>
+              <a:latin typeface="Trebuchet MS" panose="020B0703020202090204" pitchFamily="34" charset="0"/>
+            </a:endParaRPr>
+          </a:p>
+        </p:txBody>
+      </p:sp>
+      <p:sp>
+        <p:nvSpPr>
+          <p:cNvPr id="3" name="Content Placeholder 2">
+            <a:extLst>
+              <a:ext uri="{FF2B5EF4-FFF2-40B4-BE49-F238E27FC236}">
+                <a16:creationId xmlns:a16="http://schemas.microsoft.com/office/drawing/2014/main" id="{EA38AC78-8BE4-AE4D-BC8D-2B1FA02CD252}"/>
+              </a:ext>
+            </a:extLst>
+          </p:cNvPr>
+          <p:cNvSpPr>
+            <a:spLocks noGrp="1"/>
+          </p:cNvSpPr>
+          <p:nvPr>
+            <p:ph idx="1"/>
+          </p:nvPr>
+        </p:nvSpPr>
+        <p:spPr>
+          <a:xfrm>
+            <a:off x="838200" y="883760"/>
+            <a:ext cx="10515600" cy="5371211"/>
+          </a:xfrm>
+        </p:spPr>
+        <p:txBody>
+          <a:bodyPr>
+            <a:normAutofit fontScale="47500" lnSpcReduction="20000"/>
+          </a:bodyPr>
+          <a:lstStyle/>
+          <a:p>
+            <a:r>
+              <a:rPr lang="en-US" dirty="0"/>
+              <a:t>The Model accuracy is too high in the case of Linear Regression -&gt; Too good to be true!</a:t>
+            </a:r>
+          </a:p>
+          <a:p>
+            <a:r>
+              <a:rPr lang="en-US" dirty="0"/>
+              <a:t>Linear Regression accuracy is high because the test dataset is imbalanced, so even if we guess that all transactions are legitimate (not fraud), then we will still get high accuracy (99.5%)</a:t>
+            </a:r>
+          </a:p>
+          <a:p>
+            <a:r>
+              <a:rPr lang="en-US" dirty="0"/>
+              <a:t>So I need other metrics of model performance, mainly we will use the Precision/Recall/F1 Score in this case due to the imbalanced dataset, and I also use my own metric LTPFR, which I have defined above.</a:t>
+            </a:r>
+          </a:p>
+          <a:p>
+            <a:r>
+              <a:rPr lang="en-US" dirty="0"/>
+              <a:t>With that, I find out the Linear Regression Precision/Recall/F1 are all zero, mostly because the True Positive that has been predicted by LR is zero, which means that LR was not able to guess any of the fraud cases...this is a very Bad model.</a:t>
+            </a:r>
+          </a:p>
+          <a:p>
+            <a:r>
+              <a:rPr lang="en-US" dirty="0"/>
+              <a:t>Next, we try Random Forests, and as we can see it has a relatively good Precision/Recall and F1 balance.</a:t>
+            </a:r>
+          </a:p>
+          <a:p>
+            <a:r>
+              <a:rPr lang="en-US" dirty="0"/>
+              <a:t>I next set </a:t>
+            </a:r>
+            <a:r>
+              <a:rPr lang="en-US" dirty="0" err="1"/>
+              <a:t>PyCaret</a:t>
+            </a:r>
+            <a:r>
+              <a:rPr lang="en-US" dirty="0"/>
+              <a:t> loose on my data, and </a:t>
+            </a:r>
+            <a:r>
+              <a:rPr lang="en-US" dirty="0" err="1"/>
+              <a:t>PyCaret</a:t>
+            </a:r>
+            <a:r>
+              <a:rPr lang="en-US" dirty="0"/>
+              <a:t> predicts that KNN was the best model with best Precision/Recall. Something is wrong here and I will call this the KNN problem!</a:t>
+            </a:r>
+          </a:p>
+          <a:p>
+            <a:r>
+              <a:rPr lang="en-US" dirty="0"/>
+              <a:t>to investigate the KNN problem, I use Scikit-learn to </a:t>
+            </a:r>
+            <a:r>
+              <a:rPr lang="en-US" dirty="0" err="1"/>
+              <a:t>invetigate</a:t>
+            </a:r>
+            <a:r>
+              <a:rPr lang="en-US" dirty="0"/>
+              <a:t> further</a:t>
+            </a:r>
+          </a:p>
+          <a:p>
+            <a:r>
+              <a:rPr lang="en-US" dirty="0"/>
+              <a:t>It turns out that KNN when using </a:t>
+            </a:r>
+            <a:r>
+              <a:rPr lang="en-US" dirty="0" err="1"/>
+              <a:t>cc_num</a:t>
+            </a:r>
+            <a:r>
+              <a:rPr lang="en-US" dirty="0"/>
+              <a:t>, it overfits on this numerical feature, and can then generates very high performance metrics but they are bogus and when removing the </a:t>
+            </a:r>
+            <a:r>
+              <a:rPr lang="en-US" dirty="0" err="1"/>
+              <a:t>cc_num</a:t>
+            </a:r>
+            <a:r>
+              <a:rPr lang="en-US" dirty="0"/>
+              <a:t> features, KNN as expected under performs.</a:t>
+            </a:r>
+          </a:p>
+          <a:p>
+            <a:r>
+              <a:rPr lang="en-US" dirty="0"/>
+              <a:t>I use </a:t>
+            </a:r>
+            <a:r>
+              <a:rPr lang="en-US" dirty="0" err="1"/>
+              <a:t>PyCaret</a:t>
+            </a:r>
+            <a:r>
+              <a:rPr lang="en-US" dirty="0"/>
+              <a:t> again without </a:t>
+            </a:r>
+            <a:r>
+              <a:rPr lang="en-US" dirty="0" err="1"/>
+              <a:t>cc_num</a:t>
+            </a:r>
+            <a:r>
+              <a:rPr lang="en-US" dirty="0"/>
+              <a:t>, and now </a:t>
+            </a:r>
+            <a:r>
+              <a:rPr lang="en-US" dirty="0" err="1"/>
+              <a:t>xgboost</a:t>
+            </a:r>
+            <a:r>
+              <a:rPr lang="en-US" dirty="0"/>
+              <a:t> becomes the best model.</a:t>
+            </a:r>
+          </a:p>
+          <a:p>
+            <a:r>
+              <a:rPr lang="en-US" dirty="0"/>
+              <a:t>I now focus on </a:t>
+            </a:r>
+            <a:r>
+              <a:rPr lang="en-US" dirty="0" err="1"/>
+              <a:t>xgboost</a:t>
+            </a:r>
+            <a:r>
+              <a:rPr lang="en-US" dirty="0"/>
+              <a:t> with feature engineering.</a:t>
+            </a:r>
+          </a:p>
+          <a:p>
+            <a:r>
+              <a:rPr lang="en-US" dirty="0"/>
+              <a:t>I one-hot code the '</a:t>
+            </a:r>
+            <a:r>
+              <a:rPr lang="en-US" dirty="0" err="1"/>
+              <a:t>catgory</a:t>
+            </a:r>
+            <a:r>
+              <a:rPr lang="en-US" dirty="0"/>
+              <a:t>' feature as it has high feature importance</a:t>
+            </a:r>
+          </a:p>
+          <a:p>
+            <a:r>
+              <a:rPr lang="en-US" dirty="0"/>
+              <a:t>I create a new feature, 'hour' as it was seen from EDA that it can be a good feature</a:t>
+            </a:r>
+          </a:p>
+          <a:p>
+            <a:r>
+              <a:rPr lang="en-US" dirty="0"/>
+              <a:t>the best model is </a:t>
+            </a:r>
+            <a:r>
+              <a:rPr lang="en-US" dirty="0" err="1"/>
+              <a:t>xgboost</a:t>
+            </a:r>
+            <a:r>
+              <a:rPr lang="en-US" dirty="0"/>
+              <a:t> with most numerical features (except </a:t>
+            </a:r>
+            <a:r>
+              <a:rPr lang="en-US" dirty="0" err="1"/>
+              <a:t>cc_num</a:t>
+            </a:r>
+            <a:r>
+              <a:rPr lang="en-US" dirty="0"/>
+              <a:t>) </a:t>
+            </a:r>
+            <a:r>
+              <a:rPr lang="en-US" dirty="0" err="1"/>
+              <a:t>plous</a:t>
+            </a:r>
+            <a:r>
+              <a:rPr lang="en-US" dirty="0"/>
+              <a:t> 'category' plus 'hour'</a:t>
+            </a:r>
+          </a:p>
+          <a:p>
+            <a:r>
+              <a:rPr lang="en-US" dirty="0"/>
+              <a:t>I tried other things like using a minimal set of features, oversampling (2:1), and using </a:t>
+            </a:r>
+            <a:r>
+              <a:rPr lang="en-US" dirty="0" err="1"/>
+              <a:t>class_weights</a:t>
+            </a:r>
+            <a:r>
+              <a:rPr lang="en-US" dirty="0"/>
+              <a:t> but this did not improve the performance, on the contrary it was worse.</a:t>
+            </a:r>
+          </a:p>
+          <a:p>
+            <a:r>
+              <a:rPr lang="en-US" dirty="0"/>
+              <a:t>in the future, I can use additional feature engineering, such as creating new features that detect when fraudsters first charge minima amount to cc, so they make sure it is a valid one, and then later buy goods.</a:t>
+            </a:r>
+          </a:p>
+          <a:p>
+            <a:r>
+              <a:rPr lang="en-US" dirty="0"/>
+              <a:t>I can also a Neural Network to see if it can deliver better performance.</a:t>
+            </a:r>
+          </a:p>
+          <a:p>
+            <a:endParaRPr lang="en-US" sz="1600" dirty="0"/>
+          </a:p>
+        </p:txBody>
+      </p:sp>
+      <p:sp>
+        <p:nvSpPr>
+          <p:cNvPr id="4" name="Slide Number Placeholder 3">
+            <a:extLst>
+              <a:ext uri="{FF2B5EF4-FFF2-40B4-BE49-F238E27FC236}">
+                <a16:creationId xmlns:a16="http://schemas.microsoft.com/office/drawing/2014/main" id="{0A93B27E-F48A-F341-918F-F7BB0801B0CA}"/>
+              </a:ext>
+            </a:extLst>
+          </p:cNvPr>
+          <p:cNvSpPr>
+            <a:spLocks noGrp="1"/>
+          </p:cNvSpPr>
+          <p:nvPr>
+            <p:ph type="sldNum" sz="quarter" idx="12"/>
+          </p:nvPr>
+        </p:nvSpPr>
+        <p:spPr/>
+        <p:txBody>
+          <a:bodyPr/>
+          <a:lstStyle/>
+          <a:p>
+            <a:fld id="{CEEA61C5-2C0A-2A4A-B657-AE8AE436D3E5}" type="slidenum">
+              <a:rPr lang="en-SA" smtClean="0"/>
+              <a:t>15</a:t>
+            </a:fld>
+            <a:endParaRPr lang="en-SA"/>
+          </a:p>
+        </p:txBody>
+      </p:sp>
+    </p:spTree>
+    <p:extLst>
+      <p:ext uri="{BB962C8B-B14F-4D97-AF65-F5344CB8AC3E}">
+        <p14:creationId xmlns:p14="http://schemas.microsoft.com/office/powerpoint/2010/main" val="3934788216"/>
+      </p:ext>
+    </p:extLst>
+  </p:cSld>
+  <p:clrMapOvr>
+    <a:masterClrMapping/>
+  </p:clrMapOvr>
+</p:sld>
+</file>
+
+<file path=ppt/slides/slide16.xml><?xml version="1.0" encoding="utf-8"?>
 <p:sld xmlns:a="http://schemas.openxmlformats.org/drawingml/2006/main" xmlns:r="http://schemas.openxmlformats.org/officeDocument/2006/relationships" xmlns:p="http://schemas.openxmlformats.org/presentationml/2006/main">
   <p:cSld>
     <p:spTree>
@@ -11836,7 +12190,7 @@
 </p:sld>
 </file>
 
-<file path=ppt/slides/slide16.xml><?xml version="1.0" encoding="utf-8"?>
+<file path=ppt/slides/slide17.xml><?xml version="1.0" encoding="utf-8"?>
 <p:sld xmlns:a="http://schemas.openxmlformats.org/drawingml/2006/main" xmlns:r="http://schemas.openxmlformats.org/officeDocument/2006/relationships" xmlns:p="http://schemas.openxmlformats.org/presentationml/2006/main" showMasterSp="0">
   <p:cSld>
     <p:spTree>
@@ -11876,7 +12230,7 @@
           <a:p>
             <a:fld id="{CEEA61C5-2C0A-2A4A-B657-AE8AE436D3E5}" type="slidenum">
               <a:rPr lang="en-SA" smtClean="0"/>
-              <a:t>16</a:t>
+              <a:t>17</a:t>
             </a:fld>
             <a:endParaRPr lang="en-SA"/>
           </a:p>
@@ -11963,7 +12317,7 @@
 </p:sld>
 </file>
 
-<file path=ppt/slides/slide17.xml><?xml version="1.0" encoding="utf-8"?>
+<file path=ppt/slides/slide18.xml><?xml version="1.0" encoding="utf-8"?>
 <p:sld xmlns:a="http://schemas.openxmlformats.org/drawingml/2006/main" xmlns:r="http://schemas.openxmlformats.org/officeDocument/2006/relationships" xmlns:p="http://schemas.openxmlformats.org/presentationml/2006/main" showMasterSp="0">
   <p:cSld>
     <p:spTree>
@@ -12041,7 +12395,7 @@
           <a:p>
             <a:fld id="{CEEA61C5-2C0A-2A4A-B657-AE8AE436D3E5}" type="slidenum">
               <a:rPr lang="en-SA" smtClean="0"/>
-              <a:t>17</a:t>
+              <a:t>18</a:t>
             </a:fld>
             <a:endParaRPr lang="en-SA"/>
           </a:p>
@@ -12423,26 +12777,9 @@
         <p:spPr/>
         <p:txBody>
           <a:bodyPr>
-            <a:normAutofit fontScale="92500"/>
+            <a:normAutofit lnSpcReduction="10000"/>
           </a:bodyPr>
           <a:lstStyle/>
-          <a:p>
-            <a:pPr marL="0" lvl="0" indent="0">
-              <a:buNone/>
-            </a:pPr>
-            <a:r>
-              <a:rPr lang="en-US" sz="3600" dirty="0">
-                <a:solidFill>
-                  <a:schemeClr val="tx1">
-                    <a:lumMod val="65000"/>
-                    <a:lumOff val="35000"/>
-                  </a:schemeClr>
-                </a:solidFill>
-                <a:latin typeface="Trebuchet MS" panose="020B0703020202090204" pitchFamily="34" charset="0"/>
-              </a:rPr>
-              <a:t>How to prevent and manage credit card fraud ? </a:t>
-            </a:r>
-          </a:p>
           <a:p>
             <a:r>
               <a:rPr lang="en-US" sz="2600" dirty="0">
@@ -12454,7 +12791,7 @@
                 </a:solidFill>
                 <a:latin typeface="Trebuchet MS" panose="020B0703020202090204" pitchFamily="34" charset="0"/>
               </a:rPr>
-              <a:t>Credit card providers, Banks, and Merchants can save billions of dollars lost annually to credit card fraud.  </a:t>
+              <a:t>Credit card providers, Banks, and Merchants can save billions of dollars that is lost annually to credit card fraud.  </a:t>
             </a:r>
           </a:p>
           <a:p>
@@ -12468,11 +12805,11 @@
                 </a:solidFill>
                 <a:latin typeface="Trebuchet MS" panose="020B0703020202090204" pitchFamily="34" charset="0"/>
               </a:rPr>
-              <a:t>More importantly credit card holders (customers) will have a higher level of satisfaction, trust, and loyalty to their credit card providers if the latter can efficiently detect and prevent fraudulent transactions, without annoying their customers with blocked legitimate payments.</a:t>
-            </a:r>
-          </a:p>
-          <a:p>
-            <a:endParaRPr lang="en-US" sz="2400" dirty="0">
+              <a:t>More importantly credit card holders (customers) will have a higher level of satisfaction, trust, and loyalty to their credit card providers if the latter can effectively detect and prevent fraudulent transactions, without annoying their customers with blocked legitimate payments.</a:t>
+            </a:r>
+          </a:p>
+          <a:p>
+            <a:endParaRPr lang="en-US" sz="2600" dirty="0">
               <a:solidFill>
                 <a:schemeClr val="tx1">
                   <a:lumMod val="65000"/>
@@ -12481,6 +12818,20 @@
               </a:solidFill>
               <a:latin typeface="Trebuchet MS" panose="020B0703020202090204" pitchFamily="34" charset="0"/>
             </a:endParaRPr>
+          </a:p>
+          <a:p>
+            <a:r>
+              <a:rPr lang="en-US" sz="2400" dirty="0">
+                <a:solidFill>
+                  <a:schemeClr val="tx1">
+                    <a:lumMod val="65000"/>
+                    <a:lumOff val="35000"/>
+                  </a:schemeClr>
+                </a:solidFill>
+                <a:latin typeface="Trebuchet MS" panose="020B0703020202090204" pitchFamily="34" charset="0"/>
+              </a:rPr>
+              <a:t>How to prevent and manage credit card fraud? </a:t>
+            </a:r>
           </a:p>
           <a:p>
             <a:pPr lvl="1"/>
@@ -13081,7 +13432,7 @@
           <p:nvPr>
             <p:extLst>
               <p:ext uri="{D42A27DB-BD31-4B8C-83A1-F6EECF244321}">
-                <p14:modId xmlns:p14="http://schemas.microsoft.com/office/powerpoint/2010/main" val="2954843559"/>
+                <p14:modId xmlns:p14="http://schemas.microsoft.com/office/powerpoint/2010/main" val="105687241"/>
               </p:ext>
             </p:extLst>
           </p:nvPr>
@@ -13094,7 +13445,7 @@
           <a:graphicData uri="http://schemas.openxmlformats.org/drawingml/2006/table">
             <a:tbl>
               <a:tblPr firstRow="1" firstCol="1" bandRow="1">
-                <a:tableStyleId>{5C22544A-7EE6-4342-B048-85BDC9FD1C3A}</a:tableStyleId>
+                <a:tableStyleId>{5A111915-BE36-4E01-A7E5-04B1672EAD32}</a:tableStyleId>
               </a:tblPr>
               <a:tblGrid>
                 <a:gridCol w="1059447">

--- a/Credit Card Fraud Project.pptx
+++ b/Credit Card Fraud Project.pptx
@@ -5,10 +5,10 @@
     <p:sldMasterId id="2147484673" r:id="rId1"/>
   </p:sldMasterIdLst>
   <p:notesMasterIdLst>
-    <p:notesMasterId r:id="rId20"/>
+    <p:notesMasterId r:id="rId21"/>
   </p:notesMasterIdLst>
   <p:handoutMasterIdLst>
-    <p:handoutMasterId r:id="rId21"/>
+    <p:handoutMasterId r:id="rId22"/>
   </p:handoutMasterIdLst>
   <p:sldIdLst>
     <p:sldId id="328" r:id="rId2"/>
@@ -24,11 +24,12 @@
     <p:sldId id="344" r:id="rId12"/>
     <p:sldId id="287" r:id="rId13"/>
     <p:sldId id="341" r:id="rId14"/>
-    <p:sldId id="340" r:id="rId15"/>
-    <p:sldId id="345" r:id="rId16"/>
-    <p:sldId id="259" r:id="rId17"/>
-    <p:sldId id="332" r:id="rId18"/>
-    <p:sldId id="331" r:id="rId19"/>
+    <p:sldId id="346" r:id="rId15"/>
+    <p:sldId id="340" r:id="rId16"/>
+    <p:sldId id="345" r:id="rId17"/>
+    <p:sldId id="259" r:id="rId18"/>
+    <p:sldId id="332" r:id="rId19"/>
+    <p:sldId id="331" r:id="rId20"/>
   </p:sldIdLst>
   <p:sldSz cx="12192000" cy="6858000"/>
   <p:notesSz cx="6858000" cy="9144000"/>
@@ -7678,6 +7679,7 @@
           <a:bodyPr/>
           <a:lstStyle/>
           <a:p>
+            <a:pPr algn="ctr"/>
             <a:r>
               <a:rPr lang="en-SA" dirty="0">
                 <a:solidFill>
@@ -11513,6 +11515,146 @@
           <p:cNvPr id="2" name="Title 1">
             <a:extLst>
               <a:ext uri="{FF2B5EF4-FFF2-40B4-BE49-F238E27FC236}">
+                <a16:creationId xmlns:a16="http://schemas.microsoft.com/office/drawing/2014/main" id="{64AA9269-7A4E-E846-B42B-521074931440}"/>
+              </a:ext>
+            </a:extLst>
+          </p:cNvPr>
+          <p:cNvSpPr>
+            <a:spLocks noGrp="1"/>
+          </p:cNvSpPr>
+          <p:nvPr>
+            <p:ph type="title"/>
+          </p:nvPr>
+        </p:nvSpPr>
+        <p:spPr/>
+        <p:txBody>
+          <a:bodyPr/>
+          <a:lstStyle/>
+          <a:p>
+            <a:pPr algn="ctr"/>
+            <a:r>
+              <a:rPr lang="en-SA" dirty="0">
+                <a:solidFill>
+                  <a:srgbClr val="00B0F0"/>
+                </a:solidFill>
+                <a:latin typeface="Trebuchet MS" panose="020B0703020202090204" pitchFamily="34" charset="0"/>
+              </a:rPr>
+              <a:t>ROC Curve</a:t>
+            </a:r>
+          </a:p>
+        </p:txBody>
+      </p:sp>
+      <p:sp>
+        <p:nvSpPr>
+          <p:cNvPr id="4" name="Slide Number Placeholder 3">
+            <a:extLst>
+              <a:ext uri="{FF2B5EF4-FFF2-40B4-BE49-F238E27FC236}">
+                <a16:creationId xmlns:a16="http://schemas.microsoft.com/office/drawing/2014/main" id="{EB6EA262-DB7E-9942-B7F6-C8463FE4B689}"/>
+              </a:ext>
+            </a:extLst>
+          </p:cNvPr>
+          <p:cNvSpPr>
+            <a:spLocks noGrp="1"/>
+          </p:cNvSpPr>
+          <p:nvPr>
+            <p:ph type="sldNum" sz="quarter" idx="12"/>
+          </p:nvPr>
+        </p:nvSpPr>
+        <p:spPr/>
+        <p:txBody>
+          <a:bodyPr/>
+          <a:lstStyle/>
+          <a:p>
+            <a:fld id="{CEEA61C5-2C0A-2A4A-B657-AE8AE436D3E5}" type="slidenum">
+              <a:rPr lang="en-SA" smtClean="0"/>
+              <a:t>14</a:t>
+            </a:fld>
+            <a:endParaRPr lang="en-SA"/>
+          </a:p>
+        </p:txBody>
+      </p:sp>
+      <p:pic>
+        <p:nvPicPr>
+          <p:cNvPr id="1026" name="Picture 2">
+            <a:extLst>
+              <a:ext uri="{FF2B5EF4-FFF2-40B4-BE49-F238E27FC236}">
+                <a16:creationId xmlns:a16="http://schemas.microsoft.com/office/drawing/2014/main" id="{64810666-C809-6D4C-8569-2D8A280AD162}"/>
+              </a:ext>
+            </a:extLst>
+          </p:cNvPr>
+          <p:cNvPicPr>
+            <a:picLocks noChangeAspect="1" noChangeArrowheads="1"/>
+          </p:cNvPicPr>
+          <p:nvPr/>
+        </p:nvPicPr>
+        <p:blipFill>
+          <a:blip r:embed="rId2">
+            <a:extLst>
+              <a:ext uri="{28A0092B-C50C-407E-A947-70E740481C1C}">
+                <a14:useLocalDpi xmlns:a14="http://schemas.microsoft.com/office/drawing/2010/main" val="0"/>
+              </a:ext>
+            </a:extLst>
+          </a:blip>
+          <a:srcRect/>
+          <a:stretch>
+            <a:fillRect/>
+          </a:stretch>
+        </p:blipFill>
+        <p:spPr bwMode="auto">
+          <a:xfrm>
+            <a:off x="2706436" y="1916363"/>
+            <a:ext cx="5608480" cy="4039268"/>
+          </a:xfrm>
+          <a:prstGeom prst="rect">
+            <a:avLst/>
+          </a:prstGeom>
+          <a:noFill/>
+          <a:extLst>
+            <a:ext uri="{909E8E84-426E-40DD-AFC4-6F175D3DCCD1}">
+              <a14:hiddenFill xmlns:a14="http://schemas.microsoft.com/office/drawing/2010/main">
+                <a:solidFill>
+                  <a:srgbClr val="FFFFFF"/>
+                </a:solidFill>
+              </a14:hiddenFill>
+            </a:ext>
+          </a:extLst>
+        </p:spPr>
+      </p:pic>
+    </p:spTree>
+    <p:extLst>
+      <p:ext uri="{BB962C8B-B14F-4D97-AF65-F5344CB8AC3E}">
+        <p14:creationId xmlns:p14="http://schemas.microsoft.com/office/powerpoint/2010/main" val="1197745178"/>
+      </p:ext>
+    </p:extLst>
+  </p:cSld>
+  <p:clrMapOvr>
+    <a:masterClrMapping/>
+  </p:clrMapOvr>
+</p:sld>
+</file>
+
+<file path=ppt/slides/slide15.xml><?xml version="1.0" encoding="utf-8"?>
+<p:sld xmlns:a="http://schemas.openxmlformats.org/drawingml/2006/main" xmlns:r="http://schemas.openxmlformats.org/officeDocument/2006/relationships" xmlns:p="http://schemas.openxmlformats.org/presentationml/2006/main" showMasterSp="0">
+  <p:cSld>
+    <p:spTree>
+      <p:nvGrpSpPr>
+        <p:cNvPr id="1" name=""/>
+        <p:cNvGrpSpPr/>
+        <p:nvPr/>
+      </p:nvGrpSpPr>
+      <p:grpSpPr>
+        <a:xfrm>
+          <a:off x="0" y="0"/>
+          <a:ext cx="0" cy="0"/>
+          <a:chOff x="0" y="0"/>
+          <a:chExt cx="0" cy="0"/>
+        </a:xfrm>
+      </p:grpSpPr>
+      <p:sp>
+        <p:nvSpPr>
+          <p:cNvPr id="2" name="Title 1">
+            <a:extLst>
+              <a:ext uri="{FF2B5EF4-FFF2-40B4-BE49-F238E27FC236}">
                 <a16:creationId xmlns:a16="http://schemas.microsoft.com/office/drawing/2014/main" id="{2C292035-F90A-EE45-BDBA-4AB7DFB942B7}"/>
               </a:ext>
             </a:extLst>
@@ -11705,7 +11847,7 @@
           <a:p>
             <a:fld id="{CEEA61C5-2C0A-2A4A-B657-AE8AE436D3E5}" type="slidenum">
               <a:rPr lang="en-SA" smtClean="0"/>
-              <a:t>14</a:t>
+              <a:t>15</a:t>
             </a:fld>
             <a:endParaRPr lang="en-SA"/>
           </a:p>
@@ -11724,7 +11866,7 @@
 </p:sld>
 </file>
 
-<file path=ppt/slides/slide15.xml><?xml version="1.0" encoding="utf-8"?>
+<file path=ppt/slides/slide16.xml><?xml version="1.0" encoding="utf-8"?>
 <p:sld xmlns:a="http://schemas.openxmlformats.org/drawingml/2006/main" xmlns:r="http://schemas.openxmlformats.org/officeDocument/2006/relationships" xmlns:p="http://schemas.openxmlformats.org/presentationml/2006/main" showMasterSp="0">
   <p:cSld>
     <p:spTree>
@@ -12058,7 +12200,7 @@
           <a:p>
             <a:fld id="{CEEA61C5-2C0A-2A4A-B657-AE8AE436D3E5}" type="slidenum">
               <a:rPr lang="en-SA" smtClean="0"/>
-              <a:t>15</a:t>
+              <a:t>16</a:t>
             </a:fld>
             <a:endParaRPr lang="en-SA"/>
           </a:p>
@@ -12077,7 +12219,7 @@
 </p:sld>
 </file>
 
-<file path=ppt/slides/slide16.xml><?xml version="1.0" encoding="utf-8"?>
+<file path=ppt/slides/slide17.xml><?xml version="1.0" encoding="utf-8"?>
 <p:sld xmlns:a="http://schemas.openxmlformats.org/drawingml/2006/main" xmlns:r="http://schemas.openxmlformats.org/officeDocument/2006/relationships" xmlns:p="http://schemas.openxmlformats.org/presentationml/2006/main">
   <p:cSld>
     <p:spTree>
@@ -12190,7 +12332,7 @@
 </p:sld>
 </file>
 
-<file path=ppt/slides/slide17.xml><?xml version="1.0" encoding="utf-8"?>
+<file path=ppt/slides/slide18.xml><?xml version="1.0" encoding="utf-8"?>
 <p:sld xmlns:a="http://schemas.openxmlformats.org/drawingml/2006/main" xmlns:r="http://schemas.openxmlformats.org/officeDocument/2006/relationships" xmlns:p="http://schemas.openxmlformats.org/presentationml/2006/main" showMasterSp="0">
   <p:cSld>
     <p:spTree>
@@ -12230,7 +12372,7 @@
           <a:p>
             <a:fld id="{CEEA61C5-2C0A-2A4A-B657-AE8AE436D3E5}" type="slidenum">
               <a:rPr lang="en-SA" smtClean="0"/>
-              <a:t>17</a:t>
+              <a:t>18</a:t>
             </a:fld>
             <a:endParaRPr lang="en-SA"/>
           </a:p>
@@ -12317,7 +12459,7 @@
 </p:sld>
 </file>
 
-<file path=ppt/slides/slide18.xml><?xml version="1.0" encoding="utf-8"?>
+<file path=ppt/slides/slide19.xml><?xml version="1.0" encoding="utf-8"?>
 <p:sld xmlns:a="http://schemas.openxmlformats.org/drawingml/2006/main" xmlns:r="http://schemas.openxmlformats.org/officeDocument/2006/relationships" xmlns:p="http://schemas.openxmlformats.org/presentationml/2006/main" showMasterSp="0">
   <p:cSld>
     <p:spTree>
@@ -12395,7 +12537,7 @@
           <a:p>
             <a:fld id="{CEEA61C5-2C0A-2A4A-B657-AE8AE436D3E5}" type="slidenum">
               <a:rPr lang="en-SA" smtClean="0"/>
-              <a:t>18</a:t>
+              <a:t>19</a:t>
             </a:fld>
             <a:endParaRPr lang="en-SA"/>
           </a:p>
